--- a/Week9 Activities.pptx
+++ b/Week9 Activities.pptx
@@ -7,7 +7,8 @@
   <p:sldIdLst>
     <p:sldId id="256" r:id="rId2"/>
     <p:sldId id="257" r:id="rId3"/>
-    <p:sldId id="258" r:id="rId4"/>
+    <p:sldId id="259" r:id="rId4"/>
+    <p:sldId id="258" r:id="rId5"/>
   </p:sldIdLst>
   <p:sldSz cx="12192000" cy="6858000"/>
   <p:notesSz cx="6858000" cy="9144000"/>
@@ -106,6 +107,11 @@
       </a:defRPr>
     </a:lvl9pPr>
   </p:defaultTextStyle>
+  <p:extLst>
+    <p:ext uri="{EFAFB233-063F-42B5-8137-9DF3F51BA10A}">
+      <p15:sldGuideLst xmlns:p15="http://schemas.microsoft.com/office/powerpoint/2012/main"/>
+    </p:ext>
+  </p:extLst>
 </p:presentation>
 </file>
 
@@ -258,7 +264,7 @@
           <a:p>
             <a:fld id="{D90D7B62-E49E-42ED-AE85-55A16D175963}" type="datetimeFigureOut">
               <a:rPr lang="en-AU" smtClean="0"/>
-              <a:t>15/09/2024</a:t>
+              <a:t>18/09/2024</a:t>
             </a:fld>
             <a:endParaRPr lang="en-AU"/>
           </a:p>
@@ -458,7 +464,7 @@
           <a:p>
             <a:fld id="{D90D7B62-E49E-42ED-AE85-55A16D175963}" type="datetimeFigureOut">
               <a:rPr lang="en-AU" smtClean="0"/>
-              <a:t>15/09/2024</a:t>
+              <a:t>18/09/2024</a:t>
             </a:fld>
             <a:endParaRPr lang="en-AU"/>
           </a:p>
@@ -668,7 +674,7 @@
           <a:p>
             <a:fld id="{D90D7B62-E49E-42ED-AE85-55A16D175963}" type="datetimeFigureOut">
               <a:rPr lang="en-AU" smtClean="0"/>
-              <a:t>15/09/2024</a:t>
+              <a:t>18/09/2024</a:t>
             </a:fld>
             <a:endParaRPr lang="en-AU"/>
           </a:p>
@@ -868,7 +874,7 @@
           <a:p>
             <a:fld id="{D90D7B62-E49E-42ED-AE85-55A16D175963}" type="datetimeFigureOut">
               <a:rPr lang="en-AU" smtClean="0"/>
-              <a:t>15/09/2024</a:t>
+              <a:t>18/09/2024</a:t>
             </a:fld>
             <a:endParaRPr lang="en-AU"/>
           </a:p>
@@ -1144,7 +1150,7 @@
           <a:p>
             <a:fld id="{D90D7B62-E49E-42ED-AE85-55A16D175963}" type="datetimeFigureOut">
               <a:rPr lang="en-AU" smtClean="0"/>
-              <a:t>15/09/2024</a:t>
+              <a:t>18/09/2024</a:t>
             </a:fld>
             <a:endParaRPr lang="en-AU"/>
           </a:p>
@@ -1412,7 +1418,7 @@
           <a:p>
             <a:fld id="{D90D7B62-E49E-42ED-AE85-55A16D175963}" type="datetimeFigureOut">
               <a:rPr lang="en-AU" smtClean="0"/>
-              <a:t>15/09/2024</a:t>
+              <a:t>18/09/2024</a:t>
             </a:fld>
             <a:endParaRPr lang="en-AU"/>
           </a:p>
@@ -1827,7 +1833,7 @@
           <a:p>
             <a:fld id="{D90D7B62-E49E-42ED-AE85-55A16D175963}" type="datetimeFigureOut">
               <a:rPr lang="en-AU" smtClean="0"/>
-              <a:t>15/09/2024</a:t>
+              <a:t>18/09/2024</a:t>
             </a:fld>
             <a:endParaRPr lang="en-AU"/>
           </a:p>
@@ -1969,7 +1975,7 @@
           <a:p>
             <a:fld id="{D90D7B62-E49E-42ED-AE85-55A16D175963}" type="datetimeFigureOut">
               <a:rPr lang="en-AU" smtClean="0"/>
-              <a:t>15/09/2024</a:t>
+              <a:t>18/09/2024</a:t>
             </a:fld>
             <a:endParaRPr lang="en-AU"/>
           </a:p>
@@ -2082,7 +2088,7 @@
           <a:p>
             <a:fld id="{D90D7B62-E49E-42ED-AE85-55A16D175963}" type="datetimeFigureOut">
               <a:rPr lang="en-AU" smtClean="0"/>
-              <a:t>15/09/2024</a:t>
+              <a:t>18/09/2024</a:t>
             </a:fld>
             <a:endParaRPr lang="en-AU"/>
           </a:p>
@@ -2395,7 +2401,7 @@
           <a:p>
             <a:fld id="{D90D7B62-E49E-42ED-AE85-55A16D175963}" type="datetimeFigureOut">
               <a:rPr lang="en-AU" smtClean="0"/>
-              <a:t>15/09/2024</a:t>
+              <a:t>18/09/2024</a:t>
             </a:fld>
             <a:endParaRPr lang="en-AU"/>
           </a:p>
@@ -2684,7 +2690,7 @@
           <a:p>
             <a:fld id="{D90D7B62-E49E-42ED-AE85-55A16D175963}" type="datetimeFigureOut">
               <a:rPr lang="en-AU" smtClean="0"/>
-              <a:t>15/09/2024</a:t>
+              <a:t>18/09/2024</a:t>
             </a:fld>
             <a:endParaRPr lang="en-AU"/>
           </a:p>
@@ -2927,7 +2933,7 @@
           <a:p>
             <a:fld id="{D90D7B62-E49E-42ED-AE85-55A16D175963}" type="datetimeFigureOut">
               <a:rPr lang="en-AU" smtClean="0"/>
-              <a:t>15/09/2024</a:t>
+              <a:t>18/09/2024</a:t>
             </a:fld>
             <a:endParaRPr lang="en-AU"/>
           </a:p>
@@ -3462,7 +3468,7 @@
           <a:bodyPr/>
           <a:lstStyle/>
           <a:p>
-            <a:endParaRPr lang="en-AU"/>
+            <a:endParaRPr lang="en-AU" dirty="0"/>
           </a:p>
         </p:txBody>
       </p:sp>
@@ -3487,7 +3493,7 @@
           <a:bodyPr/>
           <a:lstStyle/>
           <a:p>
-            <a:endParaRPr lang="en-AU"/>
+            <a:endParaRPr lang="en-AU" dirty="0"/>
           </a:p>
         </p:txBody>
       </p:sp>
@@ -3526,6 +3532,133 @@
           <p:cNvPr id="2" name="Title 1">
             <a:extLst>
               <a:ext uri="{FF2B5EF4-FFF2-40B4-BE49-F238E27FC236}">
+                <a16:creationId xmlns:a16="http://schemas.microsoft.com/office/drawing/2014/main" id="{3A595AEC-9D5A-D769-62D5-1A07F30EC6B4}"/>
+              </a:ext>
+            </a:extLst>
+          </p:cNvPr>
+          <p:cNvSpPr>
+            <a:spLocks noGrp="1"/>
+          </p:cNvSpPr>
+          <p:nvPr>
+            <p:ph type="title"/>
+          </p:nvPr>
+        </p:nvSpPr>
+        <p:spPr/>
+        <p:txBody>
+          <a:bodyPr/>
+          <a:lstStyle/>
+          <a:p>
+            <a:r>
+              <a:rPr lang="en-US" dirty="0"/>
+              <a:t>Week </a:t>
+            </a:r>
+            <a:r>
+              <a:rPr lang="en-US"/>
+              <a:t>9 Handout</a:t>
+            </a:r>
+            <a:endParaRPr lang="en-AU"/>
+          </a:p>
+        </p:txBody>
+      </p:sp>
+      <p:pic>
+        <p:nvPicPr>
+          <p:cNvPr id="5" name="Content Placeholder 4">
+            <a:extLst>
+              <a:ext uri="{FF2B5EF4-FFF2-40B4-BE49-F238E27FC236}">
+                <a16:creationId xmlns:a16="http://schemas.microsoft.com/office/drawing/2014/main" id="{0AE94EB1-1081-789C-8E86-9226DF5650F8}"/>
+              </a:ext>
+            </a:extLst>
+          </p:cNvPr>
+          <p:cNvPicPr>
+            <a:picLocks noGrp="1" noChangeAspect="1"/>
+          </p:cNvPicPr>
+          <p:nvPr>
+            <p:ph sz="half" idx="1"/>
+          </p:nvPr>
+        </p:nvPicPr>
+        <p:blipFill>
+          <a:blip r:embed="rId2"/>
+          <a:stretch>
+            <a:fillRect/>
+          </a:stretch>
+        </p:blipFill>
+        <p:spPr>
+          <a:xfrm>
+            <a:off x="838200" y="2769342"/>
+            <a:ext cx="5181600" cy="2463903"/>
+          </a:xfrm>
+          <a:prstGeom prst="rect">
+            <a:avLst/>
+          </a:prstGeom>
+        </p:spPr>
+      </p:pic>
+      <p:pic>
+        <p:nvPicPr>
+          <p:cNvPr id="6" name="Content Placeholder 5">
+            <a:extLst>
+              <a:ext uri="{FF2B5EF4-FFF2-40B4-BE49-F238E27FC236}">
+                <a16:creationId xmlns:a16="http://schemas.microsoft.com/office/drawing/2014/main" id="{3218D5F6-F18F-E157-4DF4-B8D67EFC6F3C}"/>
+              </a:ext>
+            </a:extLst>
+          </p:cNvPr>
+          <p:cNvPicPr>
+            <a:picLocks noGrp="1" noChangeAspect="1"/>
+          </p:cNvPicPr>
+          <p:nvPr>
+            <p:ph sz="half" idx="2"/>
+          </p:nvPr>
+        </p:nvPicPr>
+        <p:blipFill>
+          <a:blip r:embed="rId3"/>
+          <a:stretch>
+            <a:fillRect/>
+          </a:stretch>
+        </p:blipFill>
+        <p:spPr>
+          <a:xfrm>
+            <a:off x="6200076" y="1825625"/>
+            <a:ext cx="5125848" cy="4351338"/>
+          </a:xfrm>
+          <a:prstGeom prst="rect">
+            <a:avLst/>
+          </a:prstGeom>
+        </p:spPr>
+      </p:pic>
+    </p:spTree>
+    <p:extLst>
+      <p:ext uri="{BB962C8B-B14F-4D97-AF65-F5344CB8AC3E}">
+        <p14:creationId xmlns:p14="http://schemas.microsoft.com/office/powerpoint/2010/main" val="3001957273"/>
+      </p:ext>
+    </p:extLst>
+  </p:cSld>
+  <p:clrMapOvr>
+    <a:masterClrMapping/>
+  </p:clrMapOvr>
+</p:sld>
+</file>
+
+<file path=ppt/slides/slide4.xml><?xml version="1.0" encoding="utf-8"?>
+<p:sld xmlns:a="http://schemas.openxmlformats.org/drawingml/2006/main" xmlns:r="http://schemas.openxmlformats.org/officeDocument/2006/relationships" xmlns:p="http://schemas.openxmlformats.org/presentationml/2006/main">
+  <p:cSld>
+    <p:spTree>
+      <p:nvGrpSpPr>
+        <p:cNvPr id="1" name=""/>
+        <p:cNvGrpSpPr/>
+        <p:nvPr/>
+      </p:nvGrpSpPr>
+      <p:grpSpPr>
+        <a:xfrm>
+          <a:off x="0" y="0"/>
+          <a:ext cx="0" cy="0"/>
+          <a:chOff x="0" y="0"/>
+          <a:chExt cx="0" cy="0"/>
+        </a:xfrm>
+      </p:grpSpPr>
+      <p:sp>
+        <p:nvSpPr>
+          <p:cNvPr id="2" name="Title 1">
+            <a:extLst>
+              <a:ext uri="{FF2B5EF4-FFF2-40B4-BE49-F238E27FC236}">
                 <a16:creationId xmlns:a16="http://schemas.microsoft.com/office/drawing/2014/main" id="{CAE5EF7A-2D3A-18F4-C778-89179C1209B9}"/>
               </a:ext>
             </a:extLst>
@@ -3542,7 +3675,11 @@
           <a:bodyPr/>
           <a:lstStyle/>
           <a:p>
-            <a:endParaRPr lang="en-AU"/>
+            <a:r>
+              <a:rPr lang="en-US" dirty="0"/>
+              <a:t>Self reflection</a:t>
+            </a:r>
+            <a:endParaRPr lang="en-AU" dirty="0"/>
           </a:p>
         </p:txBody>
       </p:sp>
@@ -3567,7 +3704,7 @@
           <a:bodyPr/>
           <a:lstStyle/>
           <a:p>
-            <a:endParaRPr lang="en-AU"/>
+            <a:endParaRPr lang="en-AU" dirty="0"/>
           </a:p>
         </p:txBody>
       </p:sp>

--- a/Week9 Activities.pptx
+++ b/Week9 Activities.pptx
@@ -7,8 +7,8 @@
   <p:sldIdLst>
     <p:sldId id="256" r:id="rId2"/>
     <p:sldId id="257" r:id="rId3"/>
-    <p:sldId id="259" r:id="rId4"/>
-    <p:sldId id="258" r:id="rId5"/>
+    <p:sldId id="260" r:id="rId4"/>
+    <p:sldId id="259" r:id="rId5"/>
   </p:sldIdLst>
   <p:sldSz cx="12192000" cy="6858000"/>
   <p:notesSz cx="6858000" cy="9144000"/>
@@ -3468,6 +3468,10 @@
           <a:bodyPr/>
           <a:lstStyle/>
           <a:p>
+            <a:r>
+              <a:rPr lang="en-US" dirty="0"/>
+              <a:t>Attacks</a:t>
+            </a:r>
             <a:endParaRPr lang="en-AU" dirty="0"/>
           </a:p>
         </p:txBody>
@@ -3492,6 +3496,42 @@
         <p:txBody>
           <a:bodyPr/>
           <a:lstStyle/>
+          <a:p>
+            <a:r>
+              <a:rPr lang="en-US" dirty="0"/>
+              <a:t>Ransome attacks: To simulate this attack, I created encryption decryption scripts to encrypt and decrypt a given file.</a:t>
+            </a:r>
+            <a:br>
+              <a:rPr lang="en-US" dirty="0"/>
+            </a:br>
+            <a:endParaRPr lang="en-US" dirty="0"/>
+          </a:p>
+          <a:p>
+            <a:r>
+              <a:rPr lang="en-US" dirty="0"/>
+              <a:t>Its import to keep investigate and analyses open ports to prevent such attacks coming through</a:t>
+            </a:r>
+            <a:br>
+              <a:rPr lang="en-US" dirty="0"/>
+            </a:br>
+            <a:endParaRPr lang="en-US" dirty="0"/>
+          </a:p>
+          <a:p>
+            <a:r>
+              <a:rPr lang="en-US" dirty="0"/>
+              <a:t>Also, it’s imports to check for antivirus status and run scans.</a:t>
+            </a:r>
+            <a:br>
+              <a:rPr lang="en-US" dirty="0"/>
+            </a:br>
+            <a:endParaRPr lang="en-US" dirty="0"/>
+          </a:p>
+          <a:p>
+            <a:r>
+              <a:rPr lang="en-US" dirty="0"/>
+              <a:t>I have developed script (text-host.ps1) to scan the host for weakness.</a:t>
+            </a:r>
+          </a:p>
           <a:p>
             <a:endParaRPr lang="en-AU" dirty="0"/>
           </a:p>
@@ -3532,7 +3572,7 @@
           <p:cNvPr id="2" name="Title 1">
             <a:extLst>
               <a:ext uri="{FF2B5EF4-FFF2-40B4-BE49-F238E27FC236}">
-                <a16:creationId xmlns:a16="http://schemas.microsoft.com/office/drawing/2014/main" id="{3A595AEC-9D5A-D769-62D5-1A07F30EC6B4}"/>
+                <a16:creationId xmlns:a16="http://schemas.microsoft.com/office/drawing/2014/main" id="{32A41DED-59ED-350E-F8A0-6D8B78EE4A05}"/>
               </a:ext>
             </a:extLst>
           </p:cNvPr>
@@ -3550,84 +3590,77 @@
           <a:p>
             <a:r>
               <a:rPr lang="en-US" dirty="0"/>
-              <a:t>Week </a:t>
-            </a:r>
-            <a:r>
-              <a:rPr lang="en-US"/>
-              <a:t>9 Handout</a:t>
-            </a:r>
-            <a:endParaRPr lang="en-AU"/>
-          </a:p>
-        </p:txBody>
-      </p:sp>
-      <p:pic>
-        <p:nvPicPr>
-          <p:cNvPr id="5" name="Content Placeholder 4">
-            <a:extLst>
-              <a:ext uri="{FF2B5EF4-FFF2-40B4-BE49-F238E27FC236}">
-                <a16:creationId xmlns:a16="http://schemas.microsoft.com/office/drawing/2014/main" id="{0AE94EB1-1081-789C-8E86-9226DF5650F8}"/>
-              </a:ext>
-            </a:extLst>
-          </p:cNvPr>
-          <p:cNvPicPr>
-            <a:picLocks noGrp="1" noChangeAspect="1"/>
-          </p:cNvPicPr>
-          <p:nvPr>
-            <p:ph sz="half" idx="1"/>
-          </p:nvPr>
-        </p:nvPicPr>
-        <p:blipFill>
-          <a:blip r:embed="rId2"/>
-          <a:stretch>
-            <a:fillRect/>
-          </a:stretch>
-        </p:blipFill>
-        <p:spPr>
-          <a:xfrm>
-            <a:off x="838200" y="2769342"/>
-            <a:ext cx="5181600" cy="2463903"/>
-          </a:xfrm>
-          <a:prstGeom prst="rect">
-            <a:avLst/>
-          </a:prstGeom>
-        </p:spPr>
-      </p:pic>
-      <p:pic>
-        <p:nvPicPr>
-          <p:cNvPr id="6" name="Content Placeholder 5">
-            <a:extLst>
-              <a:ext uri="{FF2B5EF4-FFF2-40B4-BE49-F238E27FC236}">
-                <a16:creationId xmlns:a16="http://schemas.microsoft.com/office/drawing/2014/main" id="{3218D5F6-F18F-E157-4DF4-B8D67EFC6F3C}"/>
-              </a:ext>
-            </a:extLst>
-          </p:cNvPr>
-          <p:cNvPicPr>
-            <a:picLocks noGrp="1" noChangeAspect="1"/>
-          </p:cNvPicPr>
-          <p:nvPr>
-            <p:ph sz="half" idx="2"/>
-          </p:nvPr>
-        </p:nvPicPr>
-        <p:blipFill>
-          <a:blip r:embed="rId3"/>
-          <a:stretch>
-            <a:fillRect/>
-          </a:stretch>
-        </p:blipFill>
-        <p:spPr>
-          <a:xfrm>
-            <a:off x="6200076" y="1825625"/>
-            <a:ext cx="5125848" cy="4351338"/>
-          </a:xfrm>
-          <a:prstGeom prst="rect">
-            <a:avLst/>
-          </a:prstGeom>
-        </p:spPr>
-      </p:pic>
+              <a:t>GitHub Account</a:t>
+            </a:r>
+            <a:endParaRPr lang="en-AU" dirty="0"/>
+          </a:p>
+        </p:txBody>
+      </p:sp>
+      <p:sp>
+        <p:nvSpPr>
+          <p:cNvPr id="3" name="Content Placeholder 2">
+            <a:extLst>
+              <a:ext uri="{FF2B5EF4-FFF2-40B4-BE49-F238E27FC236}">
+                <a16:creationId xmlns:a16="http://schemas.microsoft.com/office/drawing/2014/main" id="{6263671A-E3D0-E1B0-E344-3C3011A0CDFE}"/>
+              </a:ext>
+            </a:extLst>
+          </p:cNvPr>
+          <p:cNvSpPr>
+            <a:spLocks noGrp="1"/>
+          </p:cNvSpPr>
+          <p:nvPr>
+            <p:ph idx="1"/>
+          </p:nvPr>
+        </p:nvSpPr>
+        <p:spPr/>
+        <p:txBody>
+          <a:bodyPr/>
+          <a:lstStyle/>
+          <a:p>
+            <a:r>
+              <a:rPr lang="en-US" dirty="0"/>
+              <a:t>Git account </a:t>
+            </a:r>
+            <a:r>
+              <a:rPr lang="en-US" dirty="0" err="1"/>
+              <a:t>containg</a:t>
+            </a:r>
+            <a:r>
+              <a:rPr lang="en-US" dirty="0"/>
+              <a:t> those slides as well as the developed scripts are uploaded to this repository: </a:t>
+            </a:r>
+            <a:r>
+              <a:rPr lang="en-US" dirty="0">
+                <a:hlinkClick r:id="rId2"/>
+              </a:rPr>
+              <a:t>https://github.com/crimescene123/cyber</a:t>
+            </a:r>
+            <a:endParaRPr lang="en-US" dirty="0"/>
+          </a:p>
+          <a:p>
+            <a:endParaRPr lang="en-US" dirty="0"/>
+          </a:p>
+          <a:p>
+            <a:r>
+              <a:rPr lang="en-US" dirty="0"/>
+              <a:t>I have included self reflection </a:t>
+            </a:r>
+            <a:r>
+              <a:rPr lang="en-US" dirty="0">
+                <a:sym typeface="Wingdings" panose="05000000000000000000" pitchFamily="2" charset="2"/>
+              </a:rPr>
+              <a:t></a:t>
+            </a:r>
+          </a:p>
+          <a:p>
+            <a:endParaRPr lang="en-AU" dirty="0"/>
+          </a:p>
+        </p:txBody>
+      </p:sp>
     </p:spTree>
     <p:extLst>
       <p:ext uri="{BB962C8B-B14F-4D97-AF65-F5344CB8AC3E}">
-        <p14:creationId xmlns:p14="http://schemas.microsoft.com/office/powerpoint/2010/main" val="3001957273"/>
+        <p14:creationId xmlns:p14="http://schemas.microsoft.com/office/powerpoint/2010/main" val="1612901306"/>
       </p:ext>
     </p:extLst>
   </p:cSld>
@@ -3659,7 +3692,7 @@
           <p:cNvPr id="2" name="Title 1">
             <a:extLst>
               <a:ext uri="{FF2B5EF4-FFF2-40B4-BE49-F238E27FC236}">
-                <a16:creationId xmlns:a16="http://schemas.microsoft.com/office/drawing/2014/main" id="{CAE5EF7A-2D3A-18F4-C778-89179C1209B9}"/>
+                <a16:creationId xmlns:a16="http://schemas.microsoft.com/office/drawing/2014/main" id="{3A595AEC-9D5A-D769-62D5-1A07F30EC6B4}"/>
               </a:ext>
             </a:extLst>
           </p:cNvPr>
@@ -3677,41 +3710,84 @@
           <a:p>
             <a:r>
               <a:rPr lang="en-US" dirty="0"/>
-              <a:t>Self reflection</a:t>
-            </a:r>
-            <a:endParaRPr lang="en-AU" dirty="0"/>
-          </a:p>
-        </p:txBody>
-      </p:sp>
-      <p:sp>
-        <p:nvSpPr>
-          <p:cNvPr id="3" name="Content Placeholder 2">
-            <a:extLst>
-              <a:ext uri="{FF2B5EF4-FFF2-40B4-BE49-F238E27FC236}">
-                <a16:creationId xmlns:a16="http://schemas.microsoft.com/office/drawing/2014/main" id="{758A29E7-BEDF-2B02-752B-0CA7613D4885}"/>
-              </a:ext>
-            </a:extLst>
-          </p:cNvPr>
-          <p:cNvSpPr>
-            <a:spLocks noGrp="1"/>
-          </p:cNvSpPr>
-          <p:nvPr>
-            <p:ph idx="1"/>
-          </p:nvPr>
-        </p:nvSpPr>
-        <p:spPr/>
-        <p:txBody>
-          <a:bodyPr/>
-          <a:lstStyle/>
-          <a:p>
-            <a:endParaRPr lang="en-AU" dirty="0"/>
-          </a:p>
-        </p:txBody>
-      </p:sp>
+              <a:t>Week </a:t>
+            </a:r>
+            <a:r>
+              <a:rPr lang="en-US"/>
+              <a:t>9 Handout</a:t>
+            </a:r>
+            <a:endParaRPr lang="en-AU"/>
+          </a:p>
+        </p:txBody>
+      </p:sp>
+      <p:pic>
+        <p:nvPicPr>
+          <p:cNvPr id="5" name="Content Placeholder 4">
+            <a:extLst>
+              <a:ext uri="{FF2B5EF4-FFF2-40B4-BE49-F238E27FC236}">
+                <a16:creationId xmlns:a16="http://schemas.microsoft.com/office/drawing/2014/main" id="{0AE94EB1-1081-789C-8E86-9226DF5650F8}"/>
+              </a:ext>
+            </a:extLst>
+          </p:cNvPr>
+          <p:cNvPicPr>
+            <a:picLocks noGrp="1" noChangeAspect="1"/>
+          </p:cNvPicPr>
+          <p:nvPr>
+            <p:ph sz="half" idx="1"/>
+          </p:nvPr>
+        </p:nvPicPr>
+        <p:blipFill>
+          <a:blip r:embed="rId2"/>
+          <a:stretch>
+            <a:fillRect/>
+          </a:stretch>
+        </p:blipFill>
+        <p:spPr>
+          <a:xfrm>
+            <a:off x="838200" y="2769342"/>
+            <a:ext cx="5181600" cy="2463903"/>
+          </a:xfrm>
+          <a:prstGeom prst="rect">
+            <a:avLst/>
+          </a:prstGeom>
+        </p:spPr>
+      </p:pic>
+      <p:pic>
+        <p:nvPicPr>
+          <p:cNvPr id="6" name="Content Placeholder 5">
+            <a:extLst>
+              <a:ext uri="{FF2B5EF4-FFF2-40B4-BE49-F238E27FC236}">
+                <a16:creationId xmlns:a16="http://schemas.microsoft.com/office/drawing/2014/main" id="{3218D5F6-F18F-E157-4DF4-B8D67EFC6F3C}"/>
+              </a:ext>
+            </a:extLst>
+          </p:cNvPr>
+          <p:cNvPicPr>
+            <a:picLocks noGrp="1" noChangeAspect="1"/>
+          </p:cNvPicPr>
+          <p:nvPr>
+            <p:ph sz="half" idx="2"/>
+          </p:nvPr>
+        </p:nvPicPr>
+        <p:blipFill>
+          <a:blip r:embed="rId3"/>
+          <a:stretch>
+            <a:fillRect/>
+          </a:stretch>
+        </p:blipFill>
+        <p:spPr>
+          <a:xfrm>
+            <a:off x="6200076" y="1825625"/>
+            <a:ext cx="5125848" cy="4351338"/>
+          </a:xfrm>
+          <a:prstGeom prst="rect">
+            <a:avLst/>
+          </a:prstGeom>
+        </p:spPr>
+      </p:pic>
     </p:spTree>
     <p:extLst>
       <p:ext uri="{BB962C8B-B14F-4D97-AF65-F5344CB8AC3E}">
-        <p14:creationId xmlns:p14="http://schemas.microsoft.com/office/powerpoint/2010/main" val="99154898"/>
+        <p14:creationId xmlns:p14="http://schemas.microsoft.com/office/powerpoint/2010/main" val="3001957273"/>
       </p:ext>
     </p:extLst>
   </p:cSld>
